--- a/Python_11_RunCommand.pptx
+++ b/Python_11_RunCommand.pptx
@@ -196,7 +196,7 @@
           <p:cNvPr id="5122" name="Rectangle 2">
             <a:extLst>
               <a:ext uri="{FF2B5EF4-FFF2-40B4-BE49-F238E27FC236}">
-                <a16:creationId xmlns:a16="http://schemas.microsoft.com/office/drawing/2014/main" id="{94408E82-9513-40F1-B235-A484C54832D3}"/>
+                <a16:creationId xmlns:a16="http://schemas.microsoft.com/office/drawing/2014/main" xmlns="" id="{94408E82-9513-40F1-B235-A484C54832D3}"/>
               </a:ext>
             </a:extLst>
           </p:cNvPr>
@@ -245,7 +245,7 @@
           <p:cNvPr id="5123" name="Rectangle 3">
             <a:extLst>
               <a:ext uri="{FF2B5EF4-FFF2-40B4-BE49-F238E27FC236}">
-                <a16:creationId xmlns:a16="http://schemas.microsoft.com/office/drawing/2014/main" id="{A6557D57-E0CF-48F7-801B-285537AF3C58}"/>
+                <a16:creationId xmlns:a16="http://schemas.microsoft.com/office/drawing/2014/main" xmlns="" id="{A6557D57-E0CF-48F7-801B-285537AF3C58}"/>
               </a:ext>
             </a:extLst>
           </p:cNvPr>
@@ -294,7 +294,7 @@
           <p:cNvPr id="3076" name="Rectangle 4">
             <a:extLst>
               <a:ext uri="{FF2B5EF4-FFF2-40B4-BE49-F238E27FC236}">
-                <a16:creationId xmlns:a16="http://schemas.microsoft.com/office/drawing/2014/main" id="{4BCD564A-9EE5-4DD4-837D-06362045490A}"/>
+                <a16:creationId xmlns:a16="http://schemas.microsoft.com/office/drawing/2014/main" xmlns="" id="{4BCD564A-9EE5-4DD4-837D-06362045490A}"/>
               </a:ext>
             </a:extLst>
           </p:cNvPr>
@@ -351,7 +351,7 @@
           <p:cNvPr id="5125" name="Rectangle 5">
             <a:extLst>
               <a:ext uri="{FF2B5EF4-FFF2-40B4-BE49-F238E27FC236}">
-                <a16:creationId xmlns:a16="http://schemas.microsoft.com/office/drawing/2014/main" id="{E9D279A4-5A88-4D57-B86D-68FB9BCBA7D7}"/>
+                <a16:creationId xmlns:a16="http://schemas.microsoft.com/office/drawing/2014/main" xmlns="" id="{E9D279A4-5A88-4D57-B86D-68FB9BCBA7D7}"/>
               </a:ext>
             </a:extLst>
           </p:cNvPr>
@@ -425,7 +425,7 @@
           <p:cNvPr id="5126" name="Rectangle 6">
             <a:extLst>
               <a:ext uri="{FF2B5EF4-FFF2-40B4-BE49-F238E27FC236}">
-                <a16:creationId xmlns:a16="http://schemas.microsoft.com/office/drawing/2014/main" id="{63848DA2-C3C8-4EF7-B0C6-899512C9C0CF}"/>
+                <a16:creationId xmlns:a16="http://schemas.microsoft.com/office/drawing/2014/main" xmlns="" id="{63848DA2-C3C8-4EF7-B0C6-899512C9C0CF}"/>
               </a:ext>
             </a:extLst>
           </p:cNvPr>
@@ -474,7 +474,7 @@
           <p:cNvPr id="5127" name="Rectangle 7">
             <a:extLst>
               <a:ext uri="{FF2B5EF4-FFF2-40B4-BE49-F238E27FC236}">
-                <a16:creationId xmlns:a16="http://schemas.microsoft.com/office/drawing/2014/main" id="{7FD26C6C-A7E2-4F65-BD2F-6F4F7067A438}"/>
+                <a16:creationId xmlns:a16="http://schemas.microsoft.com/office/drawing/2014/main" xmlns="" id="{7FD26C6C-A7E2-4F65-BD2F-6F4F7067A438}"/>
               </a:ext>
             </a:extLst>
           </p:cNvPr>
@@ -680,7 +680,7 @@
           <p:cNvPr id="4" name="AutoShape 3">
             <a:extLst>
               <a:ext uri="{FF2B5EF4-FFF2-40B4-BE49-F238E27FC236}">
-                <a16:creationId xmlns:a16="http://schemas.microsoft.com/office/drawing/2014/main" id="{219F6A34-BBE7-48FD-8C2F-2EE0AAD5C383}"/>
+                <a16:creationId xmlns:a16="http://schemas.microsoft.com/office/drawing/2014/main" xmlns="" id="{219F6A34-BBE7-48FD-8C2F-2EE0AAD5C383}"/>
               </a:ext>
             </a:extLst>
           </p:cNvPr>
@@ -844,7 +844,7 @@
           <p:cNvPr id="5" name="Picture 1">
             <a:extLst>
               <a:ext uri="{FF2B5EF4-FFF2-40B4-BE49-F238E27FC236}">
-                <a16:creationId xmlns:a16="http://schemas.microsoft.com/office/drawing/2014/main" id="{27862231-246E-4332-BEBA-5DF3C1254109}"/>
+                <a16:creationId xmlns:a16="http://schemas.microsoft.com/office/drawing/2014/main" xmlns="" id="{27862231-246E-4332-BEBA-5DF3C1254109}"/>
               </a:ext>
             </a:extLst>
           </p:cNvPr>
@@ -2400,7 +2400,7 @@
           <p:cNvPr id="1036" name="AutoShape 3">
             <a:extLst>
               <a:ext uri="{FF2B5EF4-FFF2-40B4-BE49-F238E27FC236}">
-                <a16:creationId xmlns:a16="http://schemas.microsoft.com/office/drawing/2014/main" id="{43666117-79D8-4276-89FC-822EBBD9F030}"/>
+                <a16:creationId xmlns:a16="http://schemas.microsoft.com/office/drawing/2014/main" xmlns="" id="{43666117-79D8-4276-89FC-822EBBD9F030}"/>
               </a:ext>
             </a:extLst>
           </p:cNvPr>
@@ -2564,7 +2564,7 @@
           <p:cNvPr id="1027" name="Rectangle 2">
             <a:extLst>
               <a:ext uri="{FF2B5EF4-FFF2-40B4-BE49-F238E27FC236}">
-                <a16:creationId xmlns:a16="http://schemas.microsoft.com/office/drawing/2014/main" id="{FF9D01B5-25A0-42CE-BB67-E61451CBFE12}"/>
+                <a16:creationId xmlns:a16="http://schemas.microsoft.com/office/drawing/2014/main" xmlns="" id="{FF9D01B5-25A0-42CE-BB67-E61451CBFE12}"/>
               </a:ext>
             </a:extLst>
           </p:cNvPr>
@@ -2638,7 +2638,7 @@
           <p:cNvPr id="1028" name="Rectangle 3">
             <a:extLst>
               <a:ext uri="{FF2B5EF4-FFF2-40B4-BE49-F238E27FC236}">
-                <a16:creationId xmlns:a16="http://schemas.microsoft.com/office/drawing/2014/main" id="{469F2A3E-B3D5-4BBF-96CB-148E8720FFA5}"/>
+                <a16:creationId xmlns:a16="http://schemas.microsoft.com/office/drawing/2014/main" xmlns="" id="{469F2A3E-B3D5-4BBF-96CB-148E8720FFA5}"/>
               </a:ext>
             </a:extLst>
           </p:cNvPr>
@@ -2740,7 +2740,7 @@
           <p:cNvPr id="1029" name="Picture 1">
             <a:extLst>
               <a:ext uri="{FF2B5EF4-FFF2-40B4-BE49-F238E27FC236}">
-                <a16:creationId xmlns:a16="http://schemas.microsoft.com/office/drawing/2014/main" id="{3EEB02A6-E3F8-479F-B9B3-32BF0F71A02F}"/>
+                <a16:creationId xmlns:a16="http://schemas.microsoft.com/office/drawing/2014/main" xmlns="" id="{3EEB02A6-E3F8-479F-B9B3-32BF0F71A02F}"/>
               </a:ext>
             </a:extLst>
           </p:cNvPr>
@@ -2800,7 +2800,7 @@
           <p:cNvPr id="1030" name="Slide Number Placeholder 3">
             <a:extLst>
               <a:ext uri="{FF2B5EF4-FFF2-40B4-BE49-F238E27FC236}">
-                <a16:creationId xmlns:a16="http://schemas.microsoft.com/office/drawing/2014/main" id="{FE4B0C15-1F58-4060-89C5-D2749B9B0F4F}"/>
+                <a16:creationId xmlns:a16="http://schemas.microsoft.com/office/drawing/2014/main" xmlns="" id="{FE4B0C15-1F58-4060-89C5-D2749B9B0F4F}"/>
               </a:ext>
             </a:extLst>
           </p:cNvPr>
@@ -3392,7 +3392,7 @@
           <p:cNvPr id="1026" name="Picture 2">
             <a:extLst>
               <a:ext uri="{FF2B5EF4-FFF2-40B4-BE49-F238E27FC236}">
-                <a16:creationId xmlns:a16="http://schemas.microsoft.com/office/drawing/2014/main" id="{0E2E9D2F-C598-4B6D-83D8-32D6972488D1}"/>
+                <a16:creationId xmlns:a16="http://schemas.microsoft.com/office/drawing/2014/main" xmlns="" id="{0E2E9D2F-C598-4B6D-83D8-32D6972488D1}"/>
               </a:ext>
             </a:extLst>
           </p:cNvPr>
@@ -3439,7 +3439,7 @@
           <p:cNvPr id="2" name="Title 1">
             <a:extLst>
               <a:ext uri="{FF2B5EF4-FFF2-40B4-BE49-F238E27FC236}">
-                <a16:creationId xmlns:a16="http://schemas.microsoft.com/office/drawing/2014/main" id="{EC48286E-47B9-4C91-8DF9-31C4B9CE75D5}"/>
+                <a16:creationId xmlns:a16="http://schemas.microsoft.com/office/drawing/2014/main" xmlns="" id="{EC48286E-47B9-4C91-8DF9-31C4B9CE75D5}"/>
               </a:ext>
             </a:extLst>
           </p:cNvPr>
@@ -3477,6 +3477,13 @@
   <p:clrMapOvr>
     <a:masterClrMapping/>
   </p:clrMapOvr>
+  <p:timing>
+    <p:tnLst>
+      <p:par>
+        <p:cTn id="1" dur="indefinite" restart="never" nodeType="tmRoot"/>
+      </p:par>
+    </p:tnLst>
+  </p:timing>
 </p:sld>
 </file>
 
@@ -3502,7 +3509,7 @@
           <p:cNvPr id="2" name="Title 1">
             <a:extLst>
               <a:ext uri="{FF2B5EF4-FFF2-40B4-BE49-F238E27FC236}">
-                <a16:creationId xmlns:a16="http://schemas.microsoft.com/office/drawing/2014/main" id="{B2D174F1-5745-4B07-918F-3A1FBB34ACC9}"/>
+                <a16:creationId xmlns:a16="http://schemas.microsoft.com/office/drawing/2014/main" xmlns="" id="{B2D174F1-5745-4B07-918F-3A1FBB34ACC9}"/>
               </a:ext>
             </a:extLst>
           </p:cNvPr>
@@ -3530,7 +3537,7 @@
           <p:cNvPr id="3" name="Content Placeholder 2">
             <a:extLst>
               <a:ext uri="{FF2B5EF4-FFF2-40B4-BE49-F238E27FC236}">
-                <a16:creationId xmlns:a16="http://schemas.microsoft.com/office/drawing/2014/main" id="{97C66485-AFC7-4658-9F0C-9DB7463BC080}"/>
+                <a16:creationId xmlns:a16="http://schemas.microsoft.com/office/drawing/2014/main" xmlns="" id="{97C66485-AFC7-4658-9F0C-9DB7463BC080}"/>
               </a:ext>
             </a:extLst>
           </p:cNvPr>
@@ -3628,7 +3635,7 @@
           <p:cNvPr id="2" name="Title 1">
             <a:extLst>
               <a:ext uri="{FF2B5EF4-FFF2-40B4-BE49-F238E27FC236}">
-                <a16:creationId xmlns:a16="http://schemas.microsoft.com/office/drawing/2014/main" id="{C5E25D18-A368-49A9-B001-36E21E5B4E7A}"/>
+                <a16:creationId xmlns:a16="http://schemas.microsoft.com/office/drawing/2014/main" xmlns="" id="{C5E25D18-A368-49A9-B001-36E21E5B4E7A}"/>
               </a:ext>
             </a:extLst>
           </p:cNvPr>
@@ -3656,7 +3663,7 @@
           <p:cNvPr id="3" name="Content Placeholder 2">
             <a:extLst>
               <a:ext uri="{FF2B5EF4-FFF2-40B4-BE49-F238E27FC236}">
-                <a16:creationId xmlns:a16="http://schemas.microsoft.com/office/drawing/2014/main" id="{EEE17D03-B600-4EC1-B7B3-D9CB0D04C71F}"/>
+                <a16:creationId xmlns:a16="http://schemas.microsoft.com/office/drawing/2014/main" xmlns="" id="{EEE17D03-B600-4EC1-B7B3-D9CB0D04C71F}"/>
               </a:ext>
             </a:extLst>
           </p:cNvPr>
@@ -3758,7 +3765,7 @@
           <p:cNvPr id="4" name="Title 3">
             <a:extLst>
               <a:ext uri="{FF2B5EF4-FFF2-40B4-BE49-F238E27FC236}">
-                <a16:creationId xmlns:a16="http://schemas.microsoft.com/office/drawing/2014/main" id="{940A2F6C-38F4-46EB-965E-90A8BBC632D9}"/>
+                <a16:creationId xmlns:a16="http://schemas.microsoft.com/office/drawing/2014/main" xmlns="" id="{940A2F6C-38F4-46EB-965E-90A8BBC632D9}"/>
               </a:ext>
             </a:extLst>
           </p:cNvPr>
@@ -3791,7 +3798,7 @@
           <p:cNvPr id="5" name="Subtitle 4">
             <a:extLst>
               <a:ext uri="{FF2B5EF4-FFF2-40B4-BE49-F238E27FC236}">
-                <a16:creationId xmlns:a16="http://schemas.microsoft.com/office/drawing/2014/main" id="{76E9CD10-480F-41AF-BF44-75EBA51771CE}"/>
+                <a16:creationId xmlns:a16="http://schemas.microsoft.com/office/drawing/2014/main" xmlns="" id="{76E9CD10-480F-41AF-BF44-75EBA51771CE}"/>
               </a:ext>
             </a:extLst>
           </p:cNvPr>
@@ -3821,6 +3828,13 @@
   <p:clrMapOvr>
     <a:masterClrMapping/>
   </p:clrMapOvr>
+  <p:timing>
+    <p:tnLst>
+      <p:par>
+        <p:cTn id="1" dur="indefinite" restart="never" nodeType="tmRoot"/>
+      </p:par>
+    </p:tnLst>
+  </p:timing>
 </p:sld>
 </file>
 
@@ -3846,7 +3860,7 @@
           <p:cNvPr id="2" name="Title 1">
             <a:extLst>
               <a:ext uri="{FF2B5EF4-FFF2-40B4-BE49-F238E27FC236}">
-                <a16:creationId xmlns:a16="http://schemas.microsoft.com/office/drawing/2014/main" id="{824A90D6-B187-415A-AE78-841F22D2C747}"/>
+                <a16:creationId xmlns:a16="http://schemas.microsoft.com/office/drawing/2014/main" xmlns="" id="{824A90D6-B187-415A-AE78-841F22D2C747}"/>
               </a:ext>
             </a:extLst>
           </p:cNvPr>
@@ -3874,7 +3888,7 @@
           <p:cNvPr id="3" name="Content Placeholder 2">
             <a:extLst>
               <a:ext uri="{FF2B5EF4-FFF2-40B4-BE49-F238E27FC236}">
-                <a16:creationId xmlns:a16="http://schemas.microsoft.com/office/drawing/2014/main" id="{42EA6B0A-FDBC-45BB-B3AE-ECD04692707F}"/>
+                <a16:creationId xmlns:a16="http://schemas.microsoft.com/office/drawing/2014/main" xmlns="" id="{42EA6B0A-FDBC-45BB-B3AE-ECD04692707F}"/>
               </a:ext>
             </a:extLst>
           </p:cNvPr>
@@ -4015,6 +4029,13 @@
   <p:clrMapOvr>
     <a:masterClrMapping/>
   </p:clrMapOvr>
+  <p:timing>
+    <p:tnLst>
+      <p:par>
+        <p:cTn id="1" dur="indefinite" restart="never" nodeType="tmRoot"/>
+      </p:par>
+    </p:tnLst>
+  </p:timing>
 </p:sld>
 </file>
 
@@ -4040,7 +4061,7 @@
           <p:cNvPr id="2" name="Title 1">
             <a:extLst>
               <a:ext uri="{FF2B5EF4-FFF2-40B4-BE49-F238E27FC236}">
-                <a16:creationId xmlns:a16="http://schemas.microsoft.com/office/drawing/2014/main" id="{046B7AB5-C64A-41FA-85A4-A79C5907CE0B}"/>
+                <a16:creationId xmlns:a16="http://schemas.microsoft.com/office/drawing/2014/main" xmlns="" id="{046B7AB5-C64A-41FA-85A4-A79C5907CE0B}"/>
               </a:ext>
             </a:extLst>
           </p:cNvPr>
@@ -4068,7 +4089,7 @@
           <p:cNvPr id="3" name="Content Placeholder 2">
             <a:extLst>
               <a:ext uri="{FF2B5EF4-FFF2-40B4-BE49-F238E27FC236}">
-                <a16:creationId xmlns:a16="http://schemas.microsoft.com/office/drawing/2014/main" id="{2ADAF01A-FA15-49C0-BF59-10764AFF6289}"/>
+                <a16:creationId xmlns:a16="http://schemas.microsoft.com/office/drawing/2014/main" xmlns="" id="{2ADAF01A-FA15-49C0-BF59-10764AFF6289}"/>
               </a:ext>
             </a:extLst>
           </p:cNvPr>
@@ -4543,6 +4564,13 @@
   <p:clrMapOvr>
     <a:masterClrMapping/>
   </p:clrMapOvr>
+  <p:timing>
+    <p:tnLst>
+      <p:par>
+        <p:cTn id="1" dur="indefinite" restart="never" nodeType="tmRoot"/>
+      </p:par>
+    </p:tnLst>
+  </p:timing>
 </p:sld>
 </file>
 
@@ -4568,7 +4596,7 @@
           <p:cNvPr id="2" name="Title 1">
             <a:extLst>
               <a:ext uri="{FF2B5EF4-FFF2-40B4-BE49-F238E27FC236}">
-                <a16:creationId xmlns:a16="http://schemas.microsoft.com/office/drawing/2014/main" id="{F2C78068-1B49-4CC7-9ECB-B5D51E9C368C}"/>
+                <a16:creationId xmlns:a16="http://schemas.microsoft.com/office/drawing/2014/main" xmlns="" id="{F2C78068-1B49-4CC7-9ECB-B5D51E9C368C}"/>
               </a:ext>
             </a:extLst>
           </p:cNvPr>
@@ -4596,7 +4624,7 @@
           <p:cNvPr id="3" name="Content Placeholder 2">
             <a:extLst>
               <a:ext uri="{FF2B5EF4-FFF2-40B4-BE49-F238E27FC236}">
-                <a16:creationId xmlns:a16="http://schemas.microsoft.com/office/drawing/2014/main" id="{BA02A3D4-3163-40C1-B4C9-E8F401295556}"/>
+                <a16:creationId xmlns:a16="http://schemas.microsoft.com/office/drawing/2014/main" xmlns="" id="{BA02A3D4-3163-40C1-B4C9-E8F401295556}"/>
               </a:ext>
             </a:extLst>
           </p:cNvPr>
@@ -4613,23 +4641,23 @@
           <a:lstStyle/>
           <a:p>
             <a:r>
-              <a:rPr lang="en-US"/>
+              <a:rPr lang="en-US" dirty="0"/>
               <a:t>Subprocess management </a:t>
             </a:r>
             <a:r>
-              <a:rPr lang="en-US">
+              <a:rPr lang="en-US" dirty="0">
                 <a:hlinkClick r:id="rId2"/>
               </a:rPr>
               <a:t>https://docs.python.org/3/library/subprocess.html</a:t>
             </a:r>
             <a:r>
-              <a:rPr lang="en-US"/>
+              <a:rPr lang="en-US" dirty="0"/>
               <a:t> </a:t>
             </a:r>
           </a:p>
           <a:p>
             <a:r>
-              <a:rPr lang="en-US"/>
+              <a:rPr lang="en-US" dirty="0"/>
               <a:t>Ex:</a:t>
             </a:r>
           </a:p>
@@ -4638,7 +4666,7 @@
               <a:buNone/>
             </a:pPr>
             <a:r>
-              <a:rPr lang="en-US" altLang="en-US" sz="2600" b="1">
+              <a:rPr lang="en-US" altLang="en-US" sz="2600" b="1" dirty="0">
                 <a:solidFill>
                   <a:srgbClr val="FF7700"/>
                 </a:solidFill>
@@ -4647,7 +4675,7 @@
               <a:t>import</a:t>
             </a:r>
             <a:r>
-              <a:rPr lang="en-US" altLang="en-US" sz="2600">
+              <a:rPr lang="en-US" altLang="en-US" sz="2600" dirty="0">
                 <a:solidFill>
                   <a:srgbClr val="444444"/>
                 </a:solidFill>
@@ -4656,7 +4684,7 @@
               <a:t> </a:t>
             </a:r>
             <a:r>
-              <a:rPr lang="en-US" altLang="en-US" sz="2600">
+              <a:rPr lang="en-US" altLang="en-US" sz="2600" dirty="0">
                 <a:solidFill>
                   <a:srgbClr val="DC143C"/>
                 </a:solidFill>
@@ -4670,7 +4698,7 @@
               <a:buNone/>
             </a:pPr>
             <a:r>
-              <a:rPr lang="en-US" altLang="en-US" sz="2600">
+              <a:rPr lang="en-US" altLang="en-US" sz="2600" dirty="0">
                 <a:solidFill>
                   <a:srgbClr val="DC143C"/>
                 </a:solidFill>
@@ -4679,7 +4707,7 @@
               <a:t>subprocess</a:t>
             </a:r>
             <a:r>
-              <a:rPr lang="en-US" altLang="en-US" sz="2600">
+              <a:rPr lang="en-US" altLang="en-US" sz="2600" dirty="0">
                 <a:solidFill>
                   <a:srgbClr val="444444"/>
                 </a:solidFill>
@@ -4688,7 +4716,7 @@
               <a:t>.</a:t>
             </a:r>
             <a:r>
-              <a:rPr lang="en-US" altLang="en-US" sz="2600">
+              <a:rPr lang="en-US" altLang="en-US" sz="2600" dirty="0">
                 <a:solidFill>
                   <a:srgbClr val="000000"/>
                 </a:solidFill>
@@ -4697,7 +4725,7 @@
               <a:t>call(</a:t>
             </a:r>
             <a:r>
-              <a:rPr lang="en-US" altLang="en-US" sz="2600">
+              <a:rPr lang="en-US" altLang="en-US" sz="2600" dirty="0">
                 <a:solidFill>
                   <a:srgbClr val="483D8B"/>
                 </a:solidFill>
@@ -4706,7 +4734,7 @@
               <a:t>"command1"</a:t>
             </a:r>
             <a:r>
-              <a:rPr lang="en-US" altLang="en-US" sz="2600">
+              <a:rPr lang="en-US" altLang="en-US" sz="2600" dirty="0">
                 <a:solidFill>
                   <a:srgbClr val="000000"/>
                 </a:solidFill>
@@ -4715,7 +4743,7 @@
               <a:t>)</a:t>
             </a:r>
             <a:r>
-              <a:rPr lang="en-US" altLang="en-US" sz="2600">
+              <a:rPr lang="en-US" altLang="en-US" sz="2600" dirty="0">
                 <a:solidFill>
                   <a:srgbClr val="444444"/>
                 </a:solidFill>
@@ -4724,7 +4752,7 @@
               <a:t> </a:t>
             </a:r>
             <a:r>
-              <a:rPr lang="en-US" altLang="en-US" sz="2600">
+              <a:rPr lang="en-US" altLang="en-US" sz="2600" dirty="0">
                 <a:solidFill>
                   <a:srgbClr val="DC143C"/>
                 </a:solidFill>
@@ -4733,7 +4761,7 @@
               <a:t>subprocess</a:t>
             </a:r>
             <a:r>
-              <a:rPr lang="en-US" altLang="en-US" sz="2600">
+              <a:rPr lang="en-US" altLang="en-US" sz="2600" dirty="0">
                 <a:solidFill>
                   <a:srgbClr val="444444"/>
                 </a:solidFill>
@@ -4742,7 +4770,7 @@
               <a:t>.</a:t>
             </a:r>
             <a:r>
-              <a:rPr lang="en-US" altLang="en-US" sz="2600">
+              <a:rPr lang="en-US" altLang="en-US" sz="2600" dirty="0">
                 <a:solidFill>
                   <a:srgbClr val="000000"/>
                 </a:solidFill>
@@ -4751,7 +4779,7 @@
               <a:t>call([</a:t>
             </a:r>
             <a:r>
-              <a:rPr lang="en-US" altLang="en-US" sz="2600">
+              <a:rPr lang="en-US" altLang="en-US" sz="2600" dirty="0">
                 <a:solidFill>
                   <a:srgbClr val="483D8B"/>
                 </a:solidFill>
@@ -4760,7 +4788,7 @@
               <a:t>"command1"</a:t>
             </a:r>
             <a:r>
-              <a:rPr lang="en-US" altLang="en-US" sz="2600">
+              <a:rPr lang="en-US" altLang="en-US" sz="2600" dirty="0">
                 <a:solidFill>
                   <a:srgbClr val="66CC66"/>
                 </a:solidFill>
@@ -4769,7 +4797,7 @@
               <a:t>,</a:t>
             </a:r>
             <a:r>
-              <a:rPr lang="en-US" altLang="en-US" sz="2600">
+              <a:rPr lang="en-US" altLang="en-US" sz="2600" dirty="0">
                 <a:solidFill>
                   <a:srgbClr val="444444"/>
                 </a:solidFill>
@@ -4778,7 +4806,7 @@
               <a:t> </a:t>
             </a:r>
             <a:r>
-              <a:rPr lang="en-US" altLang="en-US" sz="2600">
+              <a:rPr lang="en-US" altLang="en-US" sz="2600" dirty="0">
                 <a:solidFill>
                   <a:srgbClr val="483D8B"/>
                 </a:solidFill>
@@ -4787,7 +4815,7 @@
               <a:t>"arg1"</a:t>
             </a:r>
             <a:r>
-              <a:rPr lang="en-US" altLang="en-US" sz="2600">
+              <a:rPr lang="en-US" altLang="en-US" sz="2600" dirty="0">
                 <a:solidFill>
                   <a:srgbClr val="66CC66"/>
                 </a:solidFill>
@@ -4796,7 +4824,7 @@
               <a:t>,</a:t>
             </a:r>
             <a:r>
-              <a:rPr lang="en-US" altLang="en-US" sz="2600">
+              <a:rPr lang="en-US" altLang="en-US" sz="2600" dirty="0">
                 <a:solidFill>
                   <a:srgbClr val="444444"/>
                 </a:solidFill>
@@ -4805,7 +4833,7 @@
               <a:t> </a:t>
             </a:r>
             <a:r>
-              <a:rPr lang="en-US" altLang="en-US" sz="2600">
+              <a:rPr lang="en-US" altLang="en-US" sz="2600" dirty="0">
                 <a:solidFill>
                   <a:srgbClr val="483D8B"/>
                 </a:solidFill>
@@ -4814,7 +4842,7 @@
               <a:t>"arg2"</a:t>
             </a:r>
             <a:r>
-              <a:rPr lang="en-US" altLang="en-US" sz="2600">
+              <a:rPr lang="en-US" altLang="en-US" sz="2600" dirty="0">
                 <a:solidFill>
                   <a:srgbClr val="000000"/>
                 </a:solidFill>
@@ -4823,10 +4851,10 @@
               <a:t>])</a:t>
             </a:r>
             <a:r>
-              <a:rPr lang="en-US" altLang="en-US" sz="2600"/>
+              <a:rPr lang="en-US" altLang="en-US" sz="2600" dirty="0"/>
               <a:t> </a:t>
             </a:r>
-            <a:endParaRPr lang="en-US" altLang="en-US" sz="2600">
+            <a:endParaRPr lang="en-US" altLang="en-US" sz="2600" dirty="0">
               <a:latin typeface="Arial" panose="020B0604020202020204" pitchFamily="34" charset="0"/>
             </a:endParaRPr>
           </a:p>
@@ -4834,7 +4862,7 @@
             <a:pPr marL="0" indent="0">
               <a:buNone/>
             </a:pPr>
-            <a:endParaRPr lang="en-US"/>
+            <a:endParaRPr lang="en-US" dirty="0"/>
           </a:p>
         </p:txBody>
       </p:sp>
@@ -4848,6 +4876,13 @@
   <p:clrMapOvr>
     <a:masterClrMapping/>
   </p:clrMapOvr>
+  <p:timing>
+    <p:tnLst>
+      <p:par>
+        <p:cTn id="1" dur="indefinite" restart="never" nodeType="tmRoot"/>
+      </p:par>
+    </p:tnLst>
+  </p:timing>
 </p:sld>
 </file>
 
@@ -4873,7 +4908,7 @@
           <p:cNvPr id="2" name="Title 1">
             <a:extLst>
               <a:ext uri="{FF2B5EF4-FFF2-40B4-BE49-F238E27FC236}">
-                <a16:creationId xmlns:a16="http://schemas.microsoft.com/office/drawing/2014/main" id="{CEB7F4DA-443F-4DF1-9529-E543A1E1B9D0}"/>
+                <a16:creationId xmlns:a16="http://schemas.microsoft.com/office/drawing/2014/main" xmlns="" id="{CEB7F4DA-443F-4DF1-9529-E543A1E1B9D0}"/>
               </a:ext>
             </a:extLst>
           </p:cNvPr>
@@ -4901,7 +4936,7 @@
           <p:cNvPr id="3" name="Content Placeholder 2">
             <a:extLst>
               <a:ext uri="{FF2B5EF4-FFF2-40B4-BE49-F238E27FC236}">
-                <a16:creationId xmlns:a16="http://schemas.microsoft.com/office/drawing/2014/main" id="{FF919ABC-8124-4957-8C47-9E24F03316DC}"/>
+                <a16:creationId xmlns:a16="http://schemas.microsoft.com/office/drawing/2014/main" xmlns="" id="{FF919ABC-8124-4957-8C47-9E24F03316DC}"/>
               </a:ext>
             </a:extLst>
           </p:cNvPr>
@@ -5009,6 +5044,13 @@
   <p:clrMapOvr>
     <a:masterClrMapping/>
   </p:clrMapOvr>
+  <p:timing>
+    <p:tnLst>
+      <p:par>
+        <p:cTn id="1" dur="indefinite" restart="never" nodeType="tmRoot"/>
+      </p:par>
+    </p:tnLst>
+  </p:timing>
 </p:sld>
 </file>
 
@@ -5034,7 +5076,7 @@
           <p:cNvPr id="2" name="Title 1">
             <a:extLst>
               <a:ext uri="{FF2B5EF4-FFF2-40B4-BE49-F238E27FC236}">
-                <a16:creationId xmlns:a16="http://schemas.microsoft.com/office/drawing/2014/main" id="{9BF62A8B-AFD2-493F-8835-ECC96736BD76}"/>
+                <a16:creationId xmlns:a16="http://schemas.microsoft.com/office/drawing/2014/main" xmlns="" id="{9BF62A8B-AFD2-493F-8835-ECC96736BD76}"/>
               </a:ext>
             </a:extLst>
           </p:cNvPr>
@@ -5062,7 +5104,7 @@
           <p:cNvPr id="3" name="Content Placeholder 2">
             <a:extLst>
               <a:ext uri="{FF2B5EF4-FFF2-40B4-BE49-F238E27FC236}">
-                <a16:creationId xmlns:a16="http://schemas.microsoft.com/office/drawing/2014/main" id="{B0EF2474-F625-4BCA-86B0-FF7A529C6557}"/>
+                <a16:creationId xmlns:a16="http://schemas.microsoft.com/office/drawing/2014/main" xmlns="" id="{B0EF2474-F625-4BCA-86B0-FF7A529C6557}"/>
               </a:ext>
             </a:extLst>
           </p:cNvPr>
@@ -5310,6 +5352,16 @@
             </a:r>
           </a:p>
           <a:p>
+            <a:r>
+              <a:rPr lang="en-US" sz="2400" b="0" dirty="0">
+                <a:solidFill>
+                  <a:srgbClr val="000000"/>
+                </a:solidFill>
+                <a:effectLst/>
+                <a:latin typeface="Consolas" panose="020B0609020204030204" pitchFamily="49" charset="0"/>
+              </a:rPr>
+              <a:t/>
+            </a:r>
             <a:br>
               <a:rPr lang="en-US" sz="2400" b="0" dirty="0">
                 <a:solidFill>
@@ -5579,7 +5631,7 @@
           <p:cNvPr id="6" name="TextBox 5">
             <a:extLst>
               <a:ext uri="{FF2B5EF4-FFF2-40B4-BE49-F238E27FC236}">
-                <a16:creationId xmlns:a16="http://schemas.microsoft.com/office/drawing/2014/main" id="{ABFBA0B8-72F4-4A44-8729-20B77BA546CD}"/>
+                <a16:creationId xmlns:a16="http://schemas.microsoft.com/office/drawing/2014/main" xmlns="" id="{ABFBA0B8-72F4-4A44-8729-20B77BA546CD}"/>
               </a:ext>
             </a:extLst>
           </p:cNvPr>
@@ -5625,6 +5677,13 @@
   <p:clrMapOvr>
     <a:masterClrMapping/>
   </p:clrMapOvr>
+  <p:timing>
+    <p:tnLst>
+      <p:par>
+        <p:cTn id="1" dur="indefinite" restart="never" nodeType="tmRoot"/>
+      </p:par>
+    </p:tnLst>
+  </p:timing>
 </p:sld>
 </file>
 
@@ -5650,7 +5709,7 @@
           <p:cNvPr id="2" name="Title 1">
             <a:extLst>
               <a:ext uri="{FF2B5EF4-FFF2-40B4-BE49-F238E27FC236}">
-                <a16:creationId xmlns:a16="http://schemas.microsoft.com/office/drawing/2014/main" id="{0C006CEE-CEE2-44F7-B423-2FFDF2748E6B}"/>
+                <a16:creationId xmlns:a16="http://schemas.microsoft.com/office/drawing/2014/main" xmlns="" id="{0C006CEE-CEE2-44F7-B423-2FFDF2748E6B}"/>
               </a:ext>
             </a:extLst>
           </p:cNvPr>
@@ -5678,7 +5737,7 @@
           <p:cNvPr id="3" name="Content Placeholder 2">
             <a:extLst>
               <a:ext uri="{FF2B5EF4-FFF2-40B4-BE49-F238E27FC236}">
-                <a16:creationId xmlns:a16="http://schemas.microsoft.com/office/drawing/2014/main" id="{D9C11038-9E9C-497C-A0B2-778F26AFCA00}"/>
+                <a16:creationId xmlns:a16="http://schemas.microsoft.com/office/drawing/2014/main" xmlns="" id="{D9C11038-9E9C-497C-A0B2-778F26AFCA00}"/>
               </a:ext>
             </a:extLst>
           </p:cNvPr>
@@ -5703,7 +5762,7 @@
           <p:cNvPr id="5" name="Picture 4">
             <a:extLst>
               <a:ext uri="{FF2B5EF4-FFF2-40B4-BE49-F238E27FC236}">
-                <a16:creationId xmlns:a16="http://schemas.microsoft.com/office/drawing/2014/main" id="{6A2B7B9F-952D-4D29-800A-EBEFEF3ADF63}"/>
+                <a16:creationId xmlns:a16="http://schemas.microsoft.com/office/drawing/2014/main" xmlns="" id="{6A2B7B9F-952D-4D29-800A-EBEFEF3ADF63}"/>
               </a:ext>
             </a:extLst>
           </p:cNvPr>
@@ -5763,7 +5822,7 @@
           <p:cNvPr id="2" name="Title 1">
             <a:extLst>
               <a:ext uri="{FF2B5EF4-FFF2-40B4-BE49-F238E27FC236}">
-                <a16:creationId xmlns:a16="http://schemas.microsoft.com/office/drawing/2014/main" id="{B2D174F1-5745-4B07-918F-3A1FBB34ACC9}"/>
+                <a16:creationId xmlns:a16="http://schemas.microsoft.com/office/drawing/2014/main" xmlns="" id="{B2D174F1-5745-4B07-918F-3A1FBB34ACC9}"/>
               </a:ext>
             </a:extLst>
           </p:cNvPr>
@@ -5791,7 +5850,7 @@
           <p:cNvPr id="3" name="Content Placeholder 2">
             <a:extLst>
               <a:ext uri="{FF2B5EF4-FFF2-40B4-BE49-F238E27FC236}">
-                <a16:creationId xmlns:a16="http://schemas.microsoft.com/office/drawing/2014/main" id="{97C66485-AFC7-4658-9F0C-9DB7463BC080}"/>
+                <a16:creationId xmlns:a16="http://schemas.microsoft.com/office/drawing/2014/main" xmlns="" id="{97C66485-AFC7-4658-9F0C-9DB7463BC080}"/>
               </a:ext>
             </a:extLst>
           </p:cNvPr>
